--- a/PPT/3. Training and Testing.pptx
+++ b/PPT/3. Training and Testing.pptx
@@ -4,6 +4,9 @@
   <p:sldMasterIdLst>
     <p:sldMasterId id="2147483661" r:id="rId1"/>
   </p:sldMasterIdLst>
+  <p:notesMasterIdLst>
+    <p:notesMasterId r:id="rId11"/>
+  </p:notesMasterIdLst>
   <p:sldIdLst>
     <p:sldId id="256" r:id="rId2"/>
     <p:sldId id="330" r:id="rId3"/>
@@ -131,6 +134,355 @@
 </p:presentation>
 </file>
 
+<file path=ppt/notesMasters/notesMaster1.xml><?xml version="1.0" encoding="utf-8"?>
+<p:notesMaster xmlns:a="http://schemas.openxmlformats.org/drawingml/2006/main" xmlns:r="http://schemas.openxmlformats.org/officeDocument/2006/relationships" xmlns:p="http://schemas.openxmlformats.org/presentationml/2006/main">
+  <p:cSld>
+    <p:bg>
+      <p:bgRef idx="1001">
+        <a:schemeClr val="bg1"/>
+      </p:bgRef>
+    </p:bg>
+    <p:spTree>
+      <p:nvGrpSpPr>
+        <p:cNvPr id="1" name=""/>
+        <p:cNvGrpSpPr/>
+        <p:nvPr/>
+      </p:nvGrpSpPr>
+      <p:grpSpPr>
+        <a:xfrm>
+          <a:off x="0" y="0"/>
+          <a:ext cx="0" cy="0"/>
+          <a:chOff x="0" y="0"/>
+          <a:chExt cx="0" cy="0"/>
+        </a:xfrm>
+      </p:grpSpPr>
+      <p:sp>
+        <p:nvSpPr>
+          <p:cNvPr id="2" name="Header Placeholder 1"/>
+          <p:cNvSpPr>
+            <a:spLocks noGrp="1"/>
+          </p:cNvSpPr>
+          <p:nvPr>
+            <p:ph type="hdr" sz="quarter"/>
+          </p:nvPr>
+        </p:nvSpPr>
+        <p:spPr>
+          <a:xfrm>
+            <a:off x="0" y="0"/>
+            <a:ext cx="2971800" cy="458788"/>
+          </a:xfrm>
+          <a:prstGeom prst="rect">
+            <a:avLst/>
+          </a:prstGeom>
+        </p:spPr>
+        <p:txBody>
+          <a:bodyPr vert="horz" lIns="91440" tIns="45720" rIns="91440" bIns="45720" rtlCol="0"/>
+          <a:lstStyle>
+            <a:lvl1pPr algn="l">
+              <a:defRPr sz="1200"/>
+            </a:lvl1pPr>
+          </a:lstStyle>
+          <a:p>
+            <a:endParaRPr lang="en-US"/>
+          </a:p>
+        </p:txBody>
+      </p:sp>
+      <p:sp>
+        <p:nvSpPr>
+          <p:cNvPr id="3" name="Date Placeholder 2"/>
+          <p:cNvSpPr>
+            <a:spLocks noGrp="1"/>
+          </p:cNvSpPr>
+          <p:nvPr>
+            <p:ph type="dt" idx="1"/>
+          </p:nvPr>
+        </p:nvSpPr>
+        <p:spPr>
+          <a:xfrm>
+            <a:off x="3884613" y="0"/>
+            <a:ext cx="2971800" cy="458788"/>
+          </a:xfrm>
+          <a:prstGeom prst="rect">
+            <a:avLst/>
+          </a:prstGeom>
+        </p:spPr>
+        <p:txBody>
+          <a:bodyPr vert="horz" lIns="91440" tIns="45720" rIns="91440" bIns="45720" rtlCol="0"/>
+          <a:lstStyle>
+            <a:lvl1pPr algn="r">
+              <a:defRPr sz="1200"/>
+            </a:lvl1pPr>
+          </a:lstStyle>
+          <a:p>
+            <a:fld id="{B5A35EF6-D826-42EF-A83D-A35A56FBED71}" type="datetimeFigureOut">
+              <a:rPr lang="en-US" smtClean="0"/>
+              <a:t>10/29/2024</a:t>
+            </a:fld>
+            <a:endParaRPr lang="en-US"/>
+          </a:p>
+        </p:txBody>
+      </p:sp>
+      <p:sp>
+        <p:nvSpPr>
+          <p:cNvPr id="4" name="Slide Image Placeholder 3"/>
+          <p:cNvSpPr>
+            <a:spLocks noGrp="1" noRot="1" noChangeAspect="1"/>
+          </p:cNvSpPr>
+          <p:nvPr>
+            <p:ph type="sldImg" idx="2"/>
+          </p:nvPr>
+        </p:nvSpPr>
+        <p:spPr>
+          <a:xfrm>
+            <a:off x="1371600" y="1143000"/>
+            <a:ext cx="4114800" cy="3086100"/>
+          </a:xfrm>
+          <a:prstGeom prst="rect">
+            <a:avLst/>
+          </a:prstGeom>
+          <a:noFill/>
+          <a:ln w="12700">
+            <a:solidFill>
+              <a:prstClr val="black"/>
+            </a:solidFill>
+          </a:ln>
+        </p:spPr>
+        <p:txBody>
+          <a:bodyPr vert="horz" lIns="91440" tIns="45720" rIns="91440" bIns="45720" rtlCol="0" anchor="ctr"/>
+          <a:lstStyle/>
+          <a:p>
+            <a:endParaRPr lang="en-US"/>
+          </a:p>
+        </p:txBody>
+      </p:sp>
+      <p:sp>
+        <p:nvSpPr>
+          <p:cNvPr id="5" name="Notes Placeholder 4"/>
+          <p:cNvSpPr>
+            <a:spLocks noGrp="1"/>
+          </p:cNvSpPr>
+          <p:nvPr>
+            <p:ph type="body" sz="quarter" idx="3"/>
+          </p:nvPr>
+        </p:nvSpPr>
+        <p:spPr>
+          <a:xfrm>
+            <a:off x="685800" y="4400550"/>
+            <a:ext cx="5486400" cy="3600450"/>
+          </a:xfrm>
+          <a:prstGeom prst="rect">
+            <a:avLst/>
+          </a:prstGeom>
+        </p:spPr>
+        <p:txBody>
+          <a:bodyPr vert="horz" lIns="91440" tIns="45720" rIns="91440" bIns="45720" rtlCol="0"/>
+          <a:lstStyle/>
+          <a:p>
+            <a:pPr lvl="0"/>
+            <a:r>
+              <a:rPr lang="en-US"/>
+              <a:t>Click to edit Master text styles</a:t>
+            </a:r>
+          </a:p>
+          <a:p>
+            <a:pPr lvl="1"/>
+            <a:r>
+              <a:rPr lang="en-US"/>
+              <a:t>Second level</a:t>
+            </a:r>
+          </a:p>
+          <a:p>
+            <a:pPr lvl="2"/>
+            <a:r>
+              <a:rPr lang="en-US"/>
+              <a:t>Third level</a:t>
+            </a:r>
+          </a:p>
+          <a:p>
+            <a:pPr lvl="3"/>
+            <a:r>
+              <a:rPr lang="en-US"/>
+              <a:t>Fourth level</a:t>
+            </a:r>
+          </a:p>
+          <a:p>
+            <a:pPr lvl="4"/>
+            <a:r>
+              <a:rPr lang="en-US"/>
+              <a:t>Fifth level</a:t>
+            </a:r>
+          </a:p>
+        </p:txBody>
+      </p:sp>
+      <p:sp>
+        <p:nvSpPr>
+          <p:cNvPr id="6" name="Footer Placeholder 5"/>
+          <p:cNvSpPr>
+            <a:spLocks noGrp="1"/>
+          </p:cNvSpPr>
+          <p:nvPr>
+            <p:ph type="ftr" sz="quarter" idx="4"/>
+          </p:nvPr>
+        </p:nvSpPr>
+        <p:spPr>
+          <a:xfrm>
+            <a:off x="0" y="8685213"/>
+            <a:ext cx="2971800" cy="458787"/>
+          </a:xfrm>
+          <a:prstGeom prst="rect">
+            <a:avLst/>
+          </a:prstGeom>
+        </p:spPr>
+        <p:txBody>
+          <a:bodyPr vert="horz" lIns="91440" tIns="45720" rIns="91440" bIns="45720" rtlCol="0" anchor="b"/>
+          <a:lstStyle>
+            <a:lvl1pPr algn="l">
+              <a:defRPr sz="1200"/>
+            </a:lvl1pPr>
+          </a:lstStyle>
+          <a:p>
+            <a:endParaRPr lang="en-US"/>
+          </a:p>
+        </p:txBody>
+      </p:sp>
+      <p:sp>
+        <p:nvSpPr>
+          <p:cNvPr id="7" name="Slide Number Placeholder 6"/>
+          <p:cNvSpPr>
+            <a:spLocks noGrp="1"/>
+          </p:cNvSpPr>
+          <p:nvPr>
+            <p:ph type="sldNum" sz="quarter" idx="5"/>
+          </p:nvPr>
+        </p:nvSpPr>
+        <p:spPr>
+          <a:xfrm>
+            <a:off x="3884613" y="8685213"/>
+            <a:ext cx="2971800" cy="458787"/>
+          </a:xfrm>
+          <a:prstGeom prst="rect">
+            <a:avLst/>
+          </a:prstGeom>
+        </p:spPr>
+        <p:txBody>
+          <a:bodyPr vert="horz" lIns="91440" tIns="45720" rIns="91440" bIns="45720" rtlCol="0" anchor="b"/>
+          <a:lstStyle>
+            <a:lvl1pPr algn="r">
+              <a:defRPr sz="1200"/>
+            </a:lvl1pPr>
+          </a:lstStyle>
+          <a:p>
+            <a:fld id="{75B43618-0B41-4560-9191-5D2B3BADD710}" type="slidenum">
+              <a:rPr lang="en-US" smtClean="0"/>
+              <a:t>‹#›</a:t>
+            </a:fld>
+            <a:endParaRPr lang="en-US"/>
+          </a:p>
+        </p:txBody>
+      </p:sp>
+    </p:spTree>
+    <p:extLst>
+      <p:ext uri="{BB962C8B-B14F-4D97-AF65-F5344CB8AC3E}">
+        <p14:creationId xmlns:p14="http://schemas.microsoft.com/office/powerpoint/2010/main" val="930112645"/>
+      </p:ext>
+    </p:extLst>
+  </p:cSld>
+  <p:clrMap bg1="lt1" tx1="dk1" bg2="lt2" tx2="dk2" accent1="accent1" accent2="accent2" accent3="accent3" accent4="accent4" accent5="accent5" accent6="accent6" hlink="hlink" folHlink="folHlink"/>
+  <p:notesStyle>
+    <a:lvl1pPr marL="0" algn="l" defTabSz="914400" rtl="0" eaLnBrk="1" latinLnBrk="0" hangingPunct="1">
+      <a:defRPr sz="1200" kern="1200">
+        <a:solidFill>
+          <a:schemeClr val="tx1"/>
+        </a:solidFill>
+        <a:latin typeface="+mn-lt"/>
+        <a:ea typeface="+mn-ea"/>
+        <a:cs typeface="+mn-cs"/>
+      </a:defRPr>
+    </a:lvl1pPr>
+    <a:lvl2pPr marL="457200" algn="l" defTabSz="914400" rtl="0" eaLnBrk="1" latinLnBrk="0" hangingPunct="1">
+      <a:defRPr sz="1200" kern="1200">
+        <a:solidFill>
+          <a:schemeClr val="tx1"/>
+        </a:solidFill>
+        <a:latin typeface="+mn-lt"/>
+        <a:ea typeface="+mn-ea"/>
+        <a:cs typeface="+mn-cs"/>
+      </a:defRPr>
+    </a:lvl2pPr>
+    <a:lvl3pPr marL="914400" algn="l" defTabSz="914400" rtl="0" eaLnBrk="1" latinLnBrk="0" hangingPunct="1">
+      <a:defRPr sz="1200" kern="1200">
+        <a:solidFill>
+          <a:schemeClr val="tx1"/>
+        </a:solidFill>
+        <a:latin typeface="+mn-lt"/>
+        <a:ea typeface="+mn-ea"/>
+        <a:cs typeface="+mn-cs"/>
+      </a:defRPr>
+    </a:lvl3pPr>
+    <a:lvl4pPr marL="1371600" algn="l" defTabSz="914400" rtl="0" eaLnBrk="1" latinLnBrk="0" hangingPunct="1">
+      <a:defRPr sz="1200" kern="1200">
+        <a:solidFill>
+          <a:schemeClr val="tx1"/>
+        </a:solidFill>
+        <a:latin typeface="+mn-lt"/>
+        <a:ea typeface="+mn-ea"/>
+        <a:cs typeface="+mn-cs"/>
+      </a:defRPr>
+    </a:lvl4pPr>
+    <a:lvl5pPr marL="1828800" algn="l" defTabSz="914400" rtl="0" eaLnBrk="1" latinLnBrk="0" hangingPunct="1">
+      <a:defRPr sz="1200" kern="1200">
+        <a:solidFill>
+          <a:schemeClr val="tx1"/>
+        </a:solidFill>
+        <a:latin typeface="+mn-lt"/>
+        <a:ea typeface="+mn-ea"/>
+        <a:cs typeface="+mn-cs"/>
+      </a:defRPr>
+    </a:lvl5pPr>
+    <a:lvl6pPr marL="2286000" algn="l" defTabSz="914400" rtl="0" eaLnBrk="1" latinLnBrk="0" hangingPunct="1">
+      <a:defRPr sz="1200" kern="1200">
+        <a:solidFill>
+          <a:schemeClr val="tx1"/>
+        </a:solidFill>
+        <a:latin typeface="+mn-lt"/>
+        <a:ea typeface="+mn-ea"/>
+        <a:cs typeface="+mn-cs"/>
+      </a:defRPr>
+    </a:lvl6pPr>
+    <a:lvl7pPr marL="2743200" algn="l" defTabSz="914400" rtl="0" eaLnBrk="1" latinLnBrk="0" hangingPunct="1">
+      <a:defRPr sz="1200" kern="1200">
+        <a:solidFill>
+          <a:schemeClr val="tx1"/>
+        </a:solidFill>
+        <a:latin typeface="+mn-lt"/>
+        <a:ea typeface="+mn-ea"/>
+        <a:cs typeface="+mn-cs"/>
+      </a:defRPr>
+    </a:lvl7pPr>
+    <a:lvl8pPr marL="3200400" algn="l" defTabSz="914400" rtl="0" eaLnBrk="1" latinLnBrk="0" hangingPunct="1">
+      <a:defRPr sz="1200" kern="1200">
+        <a:solidFill>
+          <a:schemeClr val="tx1"/>
+        </a:solidFill>
+        <a:latin typeface="+mn-lt"/>
+        <a:ea typeface="+mn-ea"/>
+        <a:cs typeface="+mn-cs"/>
+      </a:defRPr>
+    </a:lvl8pPr>
+    <a:lvl9pPr marL="3657600" algn="l" defTabSz="914400" rtl="0" eaLnBrk="1" latinLnBrk="0" hangingPunct="1">
+      <a:defRPr sz="1200" kern="1200">
+        <a:solidFill>
+          <a:schemeClr val="tx1"/>
+        </a:solidFill>
+        <a:latin typeface="+mn-lt"/>
+        <a:ea typeface="+mn-ea"/>
+        <a:cs typeface="+mn-cs"/>
+      </a:defRPr>
+    </a:lvl9pPr>
+  </p:notesStyle>
+</p:notesMaster>
+</file>
+
 <file path=ppt/slideLayouts/slideLayout1.xml><?xml version="1.0" encoding="utf-8"?>
 <p:sldLayout xmlns:a="http://schemas.openxmlformats.org/drawingml/2006/main" xmlns:r="http://schemas.openxmlformats.org/officeDocument/2006/relationships" xmlns:p="http://schemas.openxmlformats.org/presentationml/2006/main" showMasterSp="0" type="title" preserve="1">
   <p:cSld name="Title Slide">
@@ -357,7 +709,7 @@
           <a:p>
             <a:fld id="{4BDF68E2-58F2-4D09-BE8B-E3BD06533059}" type="datetimeFigureOut">
               <a:rPr lang="en-US" smtClean="0"/>
-              <a:t>10/28/2024</a:t>
+              <a:t>10/29/2024</a:t>
             </a:fld>
             <a:endParaRPr lang="en-US" dirty="0"/>
           </a:p>
@@ -565,7 +917,7 @@
           <a:p>
             <a:fld id="{2E2D6473-DF6D-4702-B328-E0DD40540A4E}" type="datetimeFigureOut">
               <a:rPr lang="en-US" smtClean="0"/>
-              <a:t>10/28/2024</a:t>
+              <a:t>10/29/2024</a:t>
             </a:fld>
             <a:endParaRPr lang="en-US" dirty="0"/>
           </a:p>
@@ -821,7 +1173,7 @@
           <a:p>
             <a:fld id="{E26F7E3A-B166-407D-9866-32884E7D5B37}" type="datetimeFigureOut">
               <a:rPr lang="en-US" smtClean="0"/>
-              <a:t>10/28/2024</a:t>
+              <a:t>10/29/2024</a:t>
             </a:fld>
             <a:endParaRPr lang="en-US" dirty="0"/>
           </a:p>
@@ -991,7 +1343,7 @@
           <a:p>
             <a:fld id="{528FC5F6-F338-4AE4-BB23-26385BCFC423}" type="datetimeFigureOut">
               <a:rPr lang="en-US" smtClean="0"/>
-              <a:t>10/28/2024</a:t>
+              <a:t>10/29/2024</a:t>
             </a:fld>
             <a:endParaRPr lang="en-US" dirty="0"/>
           </a:p>
@@ -1334,7 +1686,7 @@
           <a:p>
             <a:fld id="{20EBB0C4-6273-4C6E-B9BD-2EDC30F1CD52}" type="datetimeFigureOut">
               <a:rPr lang="en-US" smtClean="0"/>
-              <a:t>10/28/2024</a:t>
+              <a:t>10/29/2024</a:t>
             </a:fld>
             <a:endParaRPr lang="en-US" dirty="0"/>
           </a:p>
@@ -1609,7 +1961,7 @@
           <a:p>
             <a:fld id="{19AB4D41-86C1-4908-B66A-0B50CEB3BF29}" type="datetimeFigureOut">
               <a:rPr lang="en-US" smtClean="0"/>
-              <a:t>10/28/2024</a:t>
+              <a:t>10/29/2024</a:t>
             </a:fld>
             <a:endParaRPr lang="en-US" dirty="0"/>
           </a:p>
@@ -1988,7 +2340,7 @@
           <a:p>
             <a:fld id="{E6426E2C-56C1-4E0D-A793-0088A7FDD37E}" type="datetimeFigureOut">
               <a:rPr lang="en-US" smtClean="0"/>
-              <a:t>10/28/2024</a:t>
+              <a:t>10/29/2024</a:t>
             </a:fld>
             <a:endParaRPr lang="en-US" dirty="0"/>
           </a:p>
@@ -2106,7 +2458,7 @@
           <a:p>
             <a:fld id="{C8C39B41-D8B5-4052-B551-9B5525EAA8B6}" type="datetimeFigureOut">
               <a:rPr lang="en-US" smtClean="0"/>
-              <a:t>10/28/2024</a:t>
+              <a:t>10/29/2024</a:t>
             </a:fld>
             <a:endParaRPr lang="en-US" dirty="0"/>
           </a:p>
@@ -2277,7 +2629,7 @@
           <a:p>
             <a:fld id="{4D94136C-8742-45B2-AF27-D93DF72833A9}" type="datetimeFigureOut">
               <a:rPr lang="en-US" smtClean="0"/>
-              <a:t>10/28/2024</a:t>
+              <a:t>10/29/2024</a:t>
             </a:fld>
             <a:endParaRPr lang="en-US" dirty="0"/>
           </a:p>
@@ -2632,7 +2984,7 @@
           <a:p>
             <a:fld id="{32ABBEA6-7C60-4B02-AE87-00D78D8422AF}" type="datetimeFigureOut">
               <a:rPr lang="en-US" smtClean="0"/>
-              <a:t>10/28/2024</a:t>
+              <a:t>10/29/2024</a:t>
             </a:fld>
             <a:endParaRPr lang="en-US" dirty="0"/>
           </a:p>
@@ -3015,7 +3367,7 @@
           <a:p>
             <a:fld id="{C9CAD897-D46E-4AD2-BD9B-49DD3E640873}" type="datetimeFigureOut">
               <a:rPr lang="en-US" smtClean="0"/>
-              <a:t>10/28/2024</a:t>
+              <a:t>10/29/2024</a:t>
             </a:fld>
             <a:endParaRPr lang="en-US" dirty="0"/>
           </a:p>
@@ -3302,7 +3654,7 @@
           <a:p>
             <a:fld id="{98624D31-43A5-475A-80CF-332C9F6DCF35}" type="datetimeFigureOut">
               <a:rPr lang="en-US" smtClean="0"/>
-              <a:t>10/28/2024</a:t>
+              <a:t>10/29/2024</a:t>
             </a:fld>
             <a:endParaRPr lang="en-US" dirty="0"/>
           </a:p>
@@ -3840,8 +4192,8 @@
         </p:nvSpPr>
         <p:spPr>
           <a:xfrm>
-            <a:off x="822960" y="758952"/>
-            <a:ext cx="7543800" cy="2562149"/>
+            <a:off x="941900" y="758952"/>
+            <a:ext cx="7424859" cy="3428037"/>
           </a:xfrm>
         </p:spPr>
         <p:txBody>
@@ -3853,8 +4205,19 @@
             <a:pPr algn="ctr"/>
             <a:r>
               <a:rPr lang="en-US" sz="6600" dirty="0"/>
-              <a:t>Training and Test Datasets</a:t>
-            </a:r>
+              <a:t>Training and Testing</a:t>
+            </a:r>
+            <a:br>
+              <a:rPr lang="en-US" sz="6600" dirty="0"/>
+            </a:br>
+            <a:r>
+              <a:rPr lang="en-US" sz="6600" dirty="0"/>
+              <a:t>Bias and Variance</a:t>
+            </a:r>
+            <a:br>
+              <a:rPr lang="en-US" sz="6600" dirty="0"/>
+            </a:br>
+            <a:endParaRPr lang="en-US" sz="6600" dirty="0"/>
           </a:p>
         </p:txBody>
       </p:sp>
@@ -5714,12 +6077,8 @@
           <a:lstStyle/>
           <a:p>
             <a:r>
-              <a:rPr lang="en-US" sz="4000" dirty="0" err="1"/>
-              <a:t>Underfitting</a:t>
-            </a:r>
-            <a:r>
               <a:rPr lang="en-US" sz="4000" dirty="0"/>
-              <a:t> and Overfitting</a:t>
+              <a:t>Underfitting and Overfitting</a:t>
             </a:r>
           </a:p>
         </p:txBody>
@@ -6397,12 +6756,20 @@
               <a:t>For example, if the model get 70% accuracy for the training set and 67% for the test set, it is an indication of </a:t>
             </a:r>
             <a:r>
-              <a:rPr lang="en-US" altLang="en-US" dirty="0" err="1"/>
+              <a:rPr lang="en-US" altLang="en-US" b="1" dirty="0" err="1"/>
               <a:t>underfitting</a:t>
             </a:r>
             <a:r>
               <a:rPr lang="en-US" altLang="en-US" dirty="0"/>
-              <a:t>, or high bias.</a:t>
+              <a:t>, or </a:t>
+            </a:r>
+            <a:r>
+              <a:rPr lang="en-US" altLang="en-US" b="1" dirty="0"/>
+              <a:t>high bias</a:t>
+            </a:r>
+            <a:r>
+              <a:rPr lang="en-US" altLang="en-US" dirty="0"/>
+              <a:t>.</a:t>
             </a:r>
           </a:p>
           <a:p>
@@ -6412,7 +6779,23 @@
             </a:pPr>
             <a:r>
               <a:rPr lang="en-US" altLang="en-US" dirty="0"/>
-              <a:t>If the model get 95% accuracy for the training set and 85% for the test set, it is likely to have overfitting, or high variance.</a:t>
+              <a:t>If the model get 95% accuracy for the training set and 85% for the test set, it is likely to have </a:t>
+            </a:r>
+            <a:r>
+              <a:rPr lang="en-US" altLang="en-US" b="1" dirty="0"/>
+              <a:t>overfitting</a:t>
+            </a:r>
+            <a:r>
+              <a:rPr lang="en-US" altLang="en-US" dirty="0"/>
+              <a:t>, or </a:t>
+            </a:r>
+            <a:r>
+              <a:rPr lang="en-US" altLang="en-US" b="1" dirty="0"/>
+              <a:t>high variance</a:t>
+            </a:r>
+            <a:r>
+              <a:rPr lang="en-US" altLang="en-US" dirty="0"/>
+              <a:t>.</a:t>
             </a:r>
           </a:p>
           <a:p>
@@ -6784,10 +7167,18 @@
             </a:pPr>
             <a:r>
               <a:rPr lang="en-US" altLang="en-US" dirty="0"/>
-              <a:t>Typically, if the model is too simple, we have high bias (</a:t>
-            </a:r>
-            <a:r>
-              <a:rPr lang="en-US" altLang="en-US" dirty="0" err="1"/>
+              <a:t>Typically, if the model is too simple, we have </a:t>
+            </a:r>
+            <a:r>
+              <a:rPr lang="en-US" altLang="en-US" b="1" dirty="0"/>
+              <a:t>high bias </a:t>
+            </a:r>
+            <a:r>
+              <a:rPr lang="en-US" altLang="en-US" dirty="0"/>
+              <a:t>(</a:t>
+            </a:r>
+            <a:r>
+              <a:rPr lang="en-US" altLang="en-US" b="1" dirty="0" err="1"/>
               <a:t>underfitting</a:t>
             </a:r>
             <a:r>
@@ -6802,7 +7193,23 @@
             </a:pPr>
             <a:r>
               <a:rPr lang="en-US" altLang="en-US" dirty="0"/>
-              <a:t>If the model is too complicate, we may have high variance problem (overfitting). </a:t>
+              <a:t>If the model is too complicate, we may have </a:t>
+            </a:r>
+            <a:r>
+              <a:rPr lang="en-US" altLang="en-US" b="1" dirty="0"/>
+              <a:t>high variance </a:t>
+            </a:r>
+            <a:r>
+              <a:rPr lang="en-US" altLang="en-US" dirty="0"/>
+              <a:t>problem (</a:t>
+            </a:r>
+            <a:r>
+              <a:rPr lang="en-US" altLang="en-US" b="1" dirty="0"/>
+              <a:t>overfitting</a:t>
+            </a:r>
+            <a:r>
+              <a:rPr lang="en-US" altLang="en-US" dirty="0"/>
+              <a:t>). </a:t>
             </a:r>
           </a:p>
           <a:p>
@@ -7233,8 +7640,8 @@
             </p:nvSpPr>
             <p:spPr>
               <a:xfrm>
-                <a:off x="904285" y="1801641"/>
-                <a:ext cx="7424903" cy="4067782"/>
+                <a:off x="904285" y="1801640"/>
+                <a:ext cx="7424903" cy="4447905"/>
               </a:xfrm>
               <a:prstGeom prst="rect">
                 <a:avLst/>
@@ -7242,7 +7649,7 @@
             </p:spPr>
             <p:txBody>
               <a:bodyPr vert="horz" lIns="0" tIns="45720" rIns="0" bIns="45720" rtlCol="0">
-                <a:normAutofit/>
+                <a:normAutofit lnSpcReduction="10000"/>
               </a:bodyPr>
               <a:lstStyle>
                 <a:lvl1pPr marL="91440" indent="-91440" algn="l" defTabSz="914400" rtl="0" eaLnBrk="1" latinLnBrk="0" hangingPunct="1">
@@ -7776,8 +8183,69 @@
                   </m:oMath>
                 </a14:m>
                 <a:r>
+                  <a:rPr lang="en-US"/>
+                  <a:t>. </a:t>
+                </a:r>
+              </a:p>
+              <a:p>
+                <a:pPr marL="0" indent="0">
+                  <a:buNone/>
+                </a:pPr>
+                <a:r>
+                  <a:rPr lang="en-US"/>
+                  <a:t>In </a:t>
+                </a:r>
+                <a:r>
+                  <a:rPr lang="en-US" dirty="0" err="1"/>
+                  <a:t>LogisticRegression</a:t>
+                </a:r>
+                <a:r>
                   <a:rPr lang="en-US" dirty="0"/>
-                  <a:t>. </a:t>
+                  <a:t> implemented in </a:t>
+                </a:r>
+                <a:r>
+                  <a:rPr lang="en-US" dirty="0" err="1"/>
+                  <a:t>Sklearn</a:t>
+                </a:r>
+                <a:r>
+                  <a:rPr lang="en-US" dirty="0"/>
+                  <a:t>, </a:t>
+                </a:r>
+                <a14:m>
+                  <m:oMath xmlns:m="http://schemas.openxmlformats.org/officeDocument/2006/math">
+                    <m:r>
+                      <a:rPr lang="en-US" b="0" i="1" smtClean="0">
+                        <a:latin typeface="Cambria Math" panose="02040503050406030204" pitchFamily="18" charset="0"/>
+                      </a:rPr>
+                      <m:t>𝜆</m:t>
+                    </m:r>
+                  </m:oMath>
+                </a14:m>
+                <a:r>
+                  <a:rPr lang="en-US" dirty="0"/>
+                  <a:t> is controlled by parameter C, which is the reciprocal of </a:t>
+                </a:r>
+                <a14:m>
+                  <m:oMath xmlns:m="http://schemas.openxmlformats.org/officeDocument/2006/math">
+                    <m:r>
+                      <a:rPr lang="en-US" b="0" i="1" smtClean="0">
+                        <a:latin typeface="Cambria Math" panose="02040503050406030204" pitchFamily="18" charset="0"/>
+                      </a:rPr>
+                      <m:t>𝜆</m:t>
+                    </m:r>
+                  </m:oMath>
+                </a14:m>
+                <a:r>
+                  <a:rPr lang="en-US" dirty="0"/>
+                  <a:t>. The </a:t>
+                </a:r>
+                <a:r>
+                  <a:rPr lang="en-US" dirty="0" err="1"/>
+                  <a:t>the</a:t>
+                </a:r>
+                <a:r>
+                  <a:rPr lang="en-US" dirty="0"/>
+                  <a:t> smaller the C the more regulation.</a:t>
                 </a:r>
               </a:p>
             </p:txBody>
@@ -7794,16 +8262,16 @@
             </p:nvSpPr>
             <p:spPr>
               <a:xfrm>
-                <a:off x="904285" y="1801641"/>
-                <a:ext cx="7424903" cy="4067782"/>
+                <a:off x="904285" y="1801640"/>
+                <a:ext cx="7424903" cy="4447905"/>
               </a:xfrm>
               <a:prstGeom prst="rect">
                 <a:avLst/>
               </a:prstGeom>
-              <a:blipFill rotWithShape="0">
+              <a:blipFill>
                 <a:blip r:embed="rId2"/>
                 <a:stretch>
-                  <a:fillRect l="-2053" t="-1649" r="-328"/>
+                  <a:fillRect l="-2053" t="-2058" r="-328"/>
                 </a:stretch>
               </a:blipFill>
             </p:spPr>
@@ -8116,4 +8584,319 @@
     </a:ext>
   </a:extLst>
 </a:theme>
+</file>
+
+<file path=ppt/theme/theme2.xml><?xml version="1.0" encoding="utf-8"?>
+<a:theme xmlns:a="http://schemas.openxmlformats.org/drawingml/2006/main" name="Office Theme">
+  <a:themeElements>
+    <a:clrScheme name="Office">
+      <a:dk1>
+        <a:sysClr val="windowText" lastClr="000000"/>
+      </a:dk1>
+      <a:lt1>
+        <a:sysClr val="window" lastClr="FFFFFF"/>
+      </a:lt1>
+      <a:dk2>
+        <a:srgbClr val="0E2841"/>
+      </a:dk2>
+      <a:lt2>
+        <a:srgbClr val="E8E8E8"/>
+      </a:lt2>
+      <a:accent1>
+        <a:srgbClr val="156082"/>
+      </a:accent1>
+      <a:accent2>
+        <a:srgbClr val="E97132"/>
+      </a:accent2>
+      <a:accent3>
+        <a:srgbClr val="196B24"/>
+      </a:accent3>
+      <a:accent4>
+        <a:srgbClr val="0F9ED5"/>
+      </a:accent4>
+      <a:accent5>
+        <a:srgbClr val="A02B93"/>
+      </a:accent5>
+      <a:accent6>
+        <a:srgbClr val="4EA72E"/>
+      </a:accent6>
+      <a:hlink>
+        <a:srgbClr val="467886"/>
+      </a:hlink>
+      <a:folHlink>
+        <a:srgbClr val="96607D"/>
+      </a:folHlink>
+    </a:clrScheme>
+    <a:fontScheme name="Office">
+      <a:majorFont>
+        <a:latin typeface="Aptos Display" panose="02110004020202020204"/>
+        <a:ea typeface=""/>
+        <a:cs typeface=""/>
+        <a:font script="Jpan" typeface="游ゴシック Light"/>
+        <a:font script="Hang" typeface="맑은 고딕"/>
+        <a:font script="Hans" typeface="等线 Light"/>
+        <a:font script="Hant" typeface="新細明體"/>
+        <a:font script="Arab" typeface="Times New Roman"/>
+        <a:font script="Hebr" typeface="Times New Roman"/>
+        <a:font script="Thai" typeface="Angsana New"/>
+        <a:font script="Ethi" typeface="Nyala"/>
+        <a:font script="Beng" typeface="Vrinda"/>
+        <a:font script="Gujr" typeface="Shruti"/>
+        <a:font script="Khmr" typeface="MoolBoran"/>
+        <a:font script="Knda" typeface="Tunga"/>
+        <a:font script="Guru" typeface="Raavi"/>
+        <a:font script="Cans" typeface="Euphemia"/>
+        <a:font script="Cher" typeface="Plantagenet Cherokee"/>
+        <a:font script="Yiii" typeface="Microsoft Yi Baiti"/>
+        <a:font script="Tibt" typeface="Microsoft Himalaya"/>
+        <a:font script="Thaa" typeface="MV Boli"/>
+        <a:font script="Deva" typeface="Mangal"/>
+        <a:font script="Telu" typeface="Gautami"/>
+        <a:font script="Taml" typeface="Latha"/>
+        <a:font script="Syrc" typeface="Estrangelo Edessa"/>
+        <a:font script="Orya" typeface="Kalinga"/>
+        <a:font script="Mlym" typeface="Kartika"/>
+        <a:font script="Laoo" typeface="DokChampa"/>
+        <a:font script="Sinh" typeface="Iskoola Pota"/>
+        <a:font script="Mong" typeface="Mongolian Baiti"/>
+        <a:font script="Viet" typeface="Times New Roman"/>
+        <a:font script="Uigh" typeface="Microsoft Uighur"/>
+        <a:font script="Geor" typeface="Sylfaen"/>
+        <a:font script="Armn" typeface="Arial"/>
+        <a:font script="Bugi" typeface="Leelawadee UI"/>
+        <a:font script="Bopo" typeface="Microsoft JhengHei"/>
+        <a:font script="Java" typeface="Javanese Text"/>
+        <a:font script="Lisu" typeface="Segoe UI"/>
+        <a:font script="Mymr" typeface="Myanmar Text"/>
+        <a:font script="Nkoo" typeface="Ebrima"/>
+        <a:font script="Olck" typeface="Nirmala UI"/>
+        <a:font script="Osma" typeface="Ebrima"/>
+        <a:font script="Phag" typeface="Phagspa"/>
+        <a:font script="Syrn" typeface="Estrangelo Edessa"/>
+        <a:font script="Syrj" typeface="Estrangelo Edessa"/>
+        <a:font script="Syre" typeface="Estrangelo Edessa"/>
+        <a:font script="Sora" typeface="Nirmala UI"/>
+        <a:font script="Tale" typeface="Microsoft Tai Le"/>
+        <a:font script="Talu" typeface="Microsoft New Tai Lue"/>
+        <a:font script="Tfng" typeface="Ebrima"/>
+      </a:majorFont>
+      <a:minorFont>
+        <a:latin typeface="Aptos" panose="02110004020202020204"/>
+        <a:ea typeface=""/>
+        <a:cs typeface=""/>
+        <a:font script="Jpan" typeface="游ゴシック"/>
+        <a:font script="Hang" typeface="맑은 고딕"/>
+        <a:font script="Hans" typeface="等线"/>
+        <a:font script="Hant" typeface="新細明體"/>
+        <a:font script="Arab" typeface="Arial"/>
+        <a:font script="Hebr" typeface="Arial"/>
+        <a:font script="Thai" typeface="Cordia New"/>
+        <a:font script="Ethi" typeface="Nyala"/>
+        <a:font script="Beng" typeface="Vrinda"/>
+        <a:font script="Gujr" typeface="Shruti"/>
+        <a:font script="Khmr" typeface="DaunPenh"/>
+        <a:font script="Knda" typeface="Tunga"/>
+        <a:font script="Guru" typeface="Raavi"/>
+        <a:font script="Cans" typeface="Euphemia"/>
+        <a:font script="Cher" typeface="Plantagenet Cherokee"/>
+        <a:font script="Yiii" typeface="Microsoft Yi Baiti"/>
+        <a:font script="Tibt" typeface="Microsoft Himalaya"/>
+        <a:font script="Thaa" typeface="MV Boli"/>
+        <a:font script="Deva" typeface="Mangal"/>
+        <a:font script="Telu" typeface="Gautami"/>
+        <a:font script="Taml" typeface="Latha"/>
+        <a:font script="Syrc" typeface="Estrangelo Edessa"/>
+        <a:font script="Orya" typeface="Kalinga"/>
+        <a:font script="Mlym" typeface="Kartika"/>
+        <a:font script="Laoo" typeface="DokChampa"/>
+        <a:font script="Sinh" typeface="Iskoola Pota"/>
+        <a:font script="Mong" typeface="Mongolian Baiti"/>
+        <a:font script="Viet" typeface="Arial"/>
+        <a:font script="Uigh" typeface="Microsoft Uighur"/>
+        <a:font script="Geor" typeface="Sylfaen"/>
+        <a:font script="Armn" typeface="Arial"/>
+        <a:font script="Bugi" typeface="Leelawadee UI"/>
+        <a:font script="Bopo" typeface="Microsoft JhengHei"/>
+        <a:font script="Java" typeface="Javanese Text"/>
+        <a:font script="Lisu" typeface="Segoe UI"/>
+        <a:font script="Mymr" typeface="Myanmar Text"/>
+        <a:font script="Nkoo" typeface="Ebrima"/>
+        <a:font script="Olck" typeface="Nirmala UI"/>
+        <a:font script="Osma" typeface="Ebrima"/>
+        <a:font script="Phag" typeface="Phagspa"/>
+        <a:font script="Syrn" typeface="Estrangelo Edessa"/>
+        <a:font script="Syrj" typeface="Estrangelo Edessa"/>
+        <a:font script="Syre" typeface="Estrangelo Edessa"/>
+        <a:font script="Sora" typeface="Nirmala UI"/>
+        <a:font script="Tale" typeface="Microsoft Tai Le"/>
+        <a:font script="Talu" typeface="Microsoft New Tai Lue"/>
+        <a:font script="Tfng" typeface="Ebrima"/>
+      </a:minorFont>
+    </a:fontScheme>
+    <a:fmtScheme name="Office">
+      <a:fillStyleLst>
+        <a:solidFill>
+          <a:schemeClr val="phClr"/>
+        </a:solidFill>
+        <a:gradFill rotWithShape="1">
+          <a:gsLst>
+            <a:gs pos="0">
+              <a:schemeClr val="phClr">
+                <a:lumMod val="110000"/>
+                <a:satMod val="105000"/>
+                <a:tint val="67000"/>
+              </a:schemeClr>
+            </a:gs>
+            <a:gs pos="50000">
+              <a:schemeClr val="phClr">
+                <a:lumMod val="105000"/>
+                <a:satMod val="103000"/>
+                <a:tint val="73000"/>
+              </a:schemeClr>
+            </a:gs>
+            <a:gs pos="100000">
+              <a:schemeClr val="phClr">
+                <a:lumMod val="105000"/>
+                <a:satMod val="109000"/>
+                <a:tint val="81000"/>
+              </a:schemeClr>
+            </a:gs>
+          </a:gsLst>
+          <a:lin ang="5400000" scaled="0"/>
+        </a:gradFill>
+        <a:gradFill rotWithShape="1">
+          <a:gsLst>
+            <a:gs pos="0">
+              <a:schemeClr val="phClr">
+                <a:satMod val="103000"/>
+                <a:lumMod val="102000"/>
+                <a:tint val="94000"/>
+              </a:schemeClr>
+            </a:gs>
+            <a:gs pos="50000">
+              <a:schemeClr val="phClr">
+                <a:satMod val="110000"/>
+                <a:lumMod val="100000"/>
+                <a:shade val="100000"/>
+              </a:schemeClr>
+            </a:gs>
+            <a:gs pos="100000">
+              <a:schemeClr val="phClr">
+                <a:lumMod val="99000"/>
+                <a:satMod val="120000"/>
+                <a:shade val="78000"/>
+              </a:schemeClr>
+            </a:gs>
+          </a:gsLst>
+          <a:lin ang="5400000" scaled="0"/>
+        </a:gradFill>
+      </a:fillStyleLst>
+      <a:lnStyleLst>
+        <a:ln w="12700" cap="flat" cmpd="sng" algn="ctr">
+          <a:solidFill>
+            <a:schemeClr val="phClr"/>
+          </a:solidFill>
+          <a:prstDash val="solid"/>
+          <a:miter lim="800000"/>
+        </a:ln>
+        <a:ln w="19050" cap="flat" cmpd="sng" algn="ctr">
+          <a:solidFill>
+            <a:schemeClr val="phClr"/>
+          </a:solidFill>
+          <a:prstDash val="solid"/>
+          <a:miter lim="800000"/>
+        </a:ln>
+        <a:ln w="25400" cap="flat" cmpd="sng" algn="ctr">
+          <a:solidFill>
+            <a:schemeClr val="phClr"/>
+          </a:solidFill>
+          <a:prstDash val="solid"/>
+          <a:miter lim="800000"/>
+        </a:ln>
+      </a:lnStyleLst>
+      <a:effectStyleLst>
+        <a:effectStyle>
+          <a:effectLst/>
+        </a:effectStyle>
+        <a:effectStyle>
+          <a:effectLst/>
+        </a:effectStyle>
+        <a:effectStyle>
+          <a:effectLst>
+            <a:outerShdw blurRad="57150" dist="19050" dir="5400000" algn="ctr" rotWithShape="0">
+              <a:srgbClr val="000000">
+                <a:alpha val="63000"/>
+              </a:srgbClr>
+            </a:outerShdw>
+          </a:effectLst>
+        </a:effectStyle>
+      </a:effectStyleLst>
+      <a:bgFillStyleLst>
+        <a:solidFill>
+          <a:schemeClr val="phClr"/>
+        </a:solidFill>
+        <a:solidFill>
+          <a:schemeClr val="phClr">
+            <a:tint val="95000"/>
+            <a:satMod val="170000"/>
+          </a:schemeClr>
+        </a:solidFill>
+        <a:gradFill rotWithShape="1">
+          <a:gsLst>
+            <a:gs pos="0">
+              <a:schemeClr val="phClr">
+                <a:tint val="93000"/>
+                <a:satMod val="150000"/>
+                <a:shade val="98000"/>
+                <a:lumMod val="102000"/>
+              </a:schemeClr>
+            </a:gs>
+            <a:gs pos="50000">
+              <a:schemeClr val="phClr">
+                <a:tint val="98000"/>
+                <a:satMod val="130000"/>
+                <a:shade val="90000"/>
+                <a:lumMod val="103000"/>
+              </a:schemeClr>
+            </a:gs>
+            <a:gs pos="100000">
+              <a:schemeClr val="phClr">
+                <a:shade val="63000"/>
+                <a:satMod val="120000"/>
+              </a:schemeClr>
+            </a:gs>
+          </a:gsLst>
+          <a:lin ang="5400000" scaled="0"/>
+        </a:gradFill>
+      </a:bgFillStyleLst>
+    </a:fmtScheme>
+  </a:themeElements>
+  <a:objectDefaults>
+    <a:lnDef>
+      <a:spPr/>
+      <a:bodyPr/>
+      <a:lstStyle/>
+      <a:style>
+        <a:lnRef idx="2">
+          <a:schemeClr val="accent1"/>
+        </a:lnRef>
+        <a:fillRef idx="0">
+          <a:schemeClr val="accent1"/>
+        </a:fillRef>
+        <a:effectRef idx="1">
+          <a:schemeClr val="accent1"/>
+        </a:effectRef>
+        <a:fontRef idx="minor">
+          <a:schemeClr val="tx1"/>
+        </a:fontRef>
+      </a:style>
+    </a:lnDef>
+  </a:objectDefaults>
+  <a:extraClrSchemeLst/>
+  <a:extLst>
+    <a:ext uri="{05A4C25C-085E-4340-85A3-A5531E510DB2}">
+      <thm15:themeFamily xmlns:thm15="http://schemas.microsoft.com/office/thememl/2012/main" name="Office Theme" id="{2E142A2C-CD16-42D6-873A-C26D2A0506FA}" vid="{1BDDFF52-6CD6-40A5-AB3C-68EB2F1E4D0A}"/>
+    </a:ext>
+  </a:extLst>
+</a:theme>
 </file>